--- a/LHC_MKI/figures/MKICrossSectionXY.pptx
+++ b/LHC_MKI/figures/MKICrossSectionXY.pptx
@@ -288,7 +288,7 @@
           <a:p>
             <a:fld id="{12865D6F-6467-4AF4-9F3C-443D9AE7EAC9}" type="datetimeFigureOut">
               <a:rPr lang="en-GB" smtClean="0"/>
-              <a:t>15/02/2013</a:t>
+              <a:t>06/03/2013</a:t>
             </a:fld>
             <a:endParaRPr lang="en-GB"/>
           </a:p>
@@ -458,7 +458,7 @@
           <a:p>
             <a:fld id="{12865D6F-6467-4AF4-9F3C-443D9AE7EAC9}" type="datetimeFigureOut">
               <a:rPr lang="en-GB" smtClean="0"/>
-              <a:t>15/02/2013</a:t>
+              <a:t>06/03/2013</a:t>
             </a:fld>
             <a:endParaRPr lang="en-GB"/>
           </a:p>
@@ -638,7 +638,7 @@
           <a:p>
             <a:fld id="{12865D6F-6467-4AF4-9F3C-443D9AE7EAC9}" type="datetimeFigureOut">
               <a:rPr lang="en-GB" smtClean="0"/>
-              <a:t>15/02/2013</a:t>
+              <a:t>06/03/2013</a:t>
             </a:fld>
             <a:endParaRPr lang="en-GB"/>
           </a:p>
@@ -808,7 +808,7 @@
           <a:p>
             <a:fld id="{12865D6F-6467-4AF4-9F3C-443D9AE7EAC9}" type="datetimeFigureOut">
               <a:rPr lang="en-GB" smtClean="0"/>
-              <a:t>15/02/2013</a:t>
+              <a:t>06/03/2013</a:t>
             </a:fld>
             <a:endParaRPr lang="en-GB"/>
           </a:p>
@@ -1054,7 +1054,7 @@
           <a:p>
             <a:fld id="{12865D6F-6467-4AF4-9F3C-443D9AE7EAC9}" type="datetimeFigureOut">
               <a:rPr lang="en-GB" smtClean="0"/>
-              <a:t>15/02/2013</a:t>
+              <a:t>06/03/2013</a:t>
             </a:fld>
             <a:endParaRPr lang="en-GB"/>
           </a:p>
@@ -1342,7 +1342,7 @@
           <a:p>
             <a:fld id="{12865D6F-6467-4AF4-9F3C-443D9AE7EAC9}" type="datetimeFigureOut">
               <a:rPr lang="en-GB" smtClean="0"/>
-              <a:t>15/02/2013</a:t>
+              <a:t>06/03/2013</a:t>
             </a:fld>
             <a:endParaRPr lang="en-GB"/>
           </a:p>
@@ -1764,7 +1764,7 @@
           <a:p>
             <a:fld id="{12865D6F-6467-4AF4-9F3C-443D9AE7EAC9}" type="datetimeFigureOut">
               <a:rPr lang="en-GB" smtClean="0"/>
-              <a:t>15/02/2013</a:t>
+              <a:t>06/03/2013</a:t>
             </a:fld>
             <a:endParaRPr lang="en-GB"/>
           </a:p>
@@ -1882,7 +1882,7 @@
           <a:p>
             <a:fld id="{12865D6F-6467-4AF4-9F3C-443D9AE7EAC9}" type="datetimeFigureOut">
               <a:rPr lang="en-GB" smtClean="0"/>
-              <a:t>15/02/2013</a:t>
+              <a:t>06/03/2013</a:t>
             </a:fld>
             <a:endParaRPr lang="en-GB"/>
           </a:p>
@@ -1977,7 +1977,7 @@
           <a:p>
             <a:fld id="{12865D6F-6467-4AF4-9F3C-443D9AE7EAC9}" type="datetimeFigureOut">
               <a:rPr lang="en-GB" smtClean="0"/>
-              <a:t>15/02/2013</a:t>
+              <a:t>06/03/2013</a:t>
             </a:fld>
             <a:endParaRPr lang="en-GB"/>
           </a:p>
@@ -2254,7 +2254,7 @@
           <a:p>
             <a:fld id="{12865D6F-6467-4AF4-9F3C-443D9AE7EAC9}" type="datetimeFigureOut">
               <a:rPr lang="en-GB" smtClean="0"/>
-              <a:t>15/02/2013</a:t>
+              <a:t>06/03/2013</a:t>
             </a:fld>
             <a:endParaRPr lang="en-GB"/>
           </a:p>
@@ -2507,7 +2507,7 @@
           <a:p>
             <a:fld id="{12865D6F-6467-4AF4-9F3C-443D9AE7EAC9}" type="datetimeFigureOut">
               <a:rPr lang="en-GB" smtClean="0"/>
-              <a:t>15/02/2013</a:t>
+              <a:t>06/03/2013</a:t>
             </a:fld>
             <a:endParaRPr lang="en-GB"/>
           </a:p>
@@ -2720,7 +2720,7 @@
           <a:p>
             <a:fld id="{12865D6F-6467-4AF4-9F3C-443D9AE7EAC9}" type="datetimeFigureOut">
               <a:rPr lang="en-GB" smtClean="0"/>
-              <a:t>15/02/2013</a:t>
+              <a:t>06/03/2013</a:t>
             </a:fld>
             <a:endParaRPr lang="en-GB"/>
           </a:p>
@@ -3248,7 +3248,7 @@
         <p:spPr>
           <a:xfrm>
             <a:off x="3563888" y="424477"/>
-            <a:ext cx="2479461" cy="369332"/>
+            <a:ext cx="1863715" cy="369332"/>
           </a:xfrm>
           <a:prstGeom prst="rect">
             <a:avLst/>
@@ -3264,8 +3264,12 @@
           <a:lstStyle/>
           <a:p>
             <a:r>
-              <a:rPr lang="en-GB" dirty="0" smtClean="0"/>
-              <a:t>Ceramic capacitor plates</a:t>
+              <a:rPr lang="en-GB" smtClean="0"/>
+              <a:t>Ceramic </a:t>
+            </a:r>
+            <a:r>
+              <a:rPr lang="en-GB" smtClean="0"/>
+              <a:t>capacitor</a:t>
             </a:r>
             <a:endParaRPr lang="en-GB" dirty="0"/>
           </a:p>
@@ -3633,11 +3637,7 @@
           <a:p>
             <a:r>
               <a:rPr lang="en-GB" dirty="0" smtClean="0"/>
-              <a:t>Beam </a:t>
-            </a:r>
-            <a:r>
-              <a:rPr lang="en-GB" dirty="0" smtClean="0"/>
-              <a:t>screen -</a:t>
+              <a:t>Beam screen -</a:t>
             </a:r>
             <a:endParaRPr lang="en-GB" dirty="0"/>
           </a:p>
